--- a/docs/tidyfst_cheatsheet.pptx
+++ b/docs/tidyfst_cheatsheet.pptx
@@ -2377,7 +2377,7 @@
           </a:ln>
           <a:extLst>
             <a:ext uri="{C572A759-6A51-4108-AA02-DFA0A04FC94B}">
-              <ma14:wrappingTextBoxFlag xmlns="" xmlns:ma14="http://schemas.microsoft.com/office/mac/drawingml/2011/main" val="1"/>
+              <ma14:wrappingTextBoxFlag xmlns:ma14="http://schemas.microsoft.com/office/mac/drawingml/2011/main" xmlns="" val="1"/>
             </a:ext>
           </a:extLst>
         </p:spPr>
@@ -2416,7 +2416,7 @@
           </a:ln>
           <a:extLst>
             <a:ext uri="{C572A759-6A51-4108-AA02-DFA0A04FC94B}">
-              <ma14:wrappingTextBoxFlag xmlns="" xmlns:ma14="http://schemas.microsoft.com/office/mac/drawingml/2011/main" val="1"/>
+              <ma14:wrappingTextBoxFlag xmlns:ma14="http://schemas.microsoft.com/office/mac/drawingml/2011/main" xmlns="" val="1"/>
             </a:ext>
           </a:extLst>
         </p:spPr>
@@ -3473,7 +3473,7 @@
           </a:ln>
           <a:extLst>
             <a:ext uri="{C572A759-6A51-4108-AA02-DFA0A04FC94B}">
-              <ma14:wrappingTextBoxFlag xmlns="" xmlns:ma14="http://schemas.microsoft.com/office/mac/drawingml/2011/main" val="1"/>
+              <ma14:wrappingTextBoxFlag xmlns:ma14="http://schemas.microsoft.com/office/mac/drawingml/2011/main" xmlns="" val="1"/>
             </a:ext>
           </a:extLst>
         </p:spPr>
@@ -3535,7 +3535,7 @@
           </a:ln>
           <a:extLst>
             <a:ext uri="{C572A759-6A51-4108-AA02-DFA0A04FC94B}">
-              <ma14:wrappingTextBoxFlag xmlns="" xmlns:ma14="http://schemas.microsoft.com/office/mac/drawingml/2011/main" val="1"/>
+              <ma14:wrappingTextBoxFlag xmlns:ma14="http://schemas.microsoft.com/office/mac/drawingml/2011/main" xmlns="" val="1"/>
             </a:ext>
           </a:extLst>
         </p:spPr>
@@ -3880,7 +3880,7 @@
           </a:ln>
           <a:extLst>
             <a:ext uri="{C572A759-6A51-4108-AA02-DFA0A04FC94B}">
-              <ma14:wrappingTextBoxFlag xmlns="" xmlns:ma14="http://schemas.microsoft.com/office/mac/drawingml/2011/main" val="1"/>
+              <ma14:wrappingTextBoxFlag xmlns:ma14="http://schemas.microsoft.com/office/mac/drawingml/2011/main" xmlns="" val="1"/>
             </a:ext>
           </a:extLst>
         </p:spPr>
@@ -3933,7 +3933,7 @@
           </a:ln>
           <a:extLst>
             <a:ext uri="{C572A759-6A51-4108-AA02-DFA0A04FC94B}">
-              <ma14:wrappingTextBoxFlag xmlns="" xmlns:ma14="http://schemas.microsoft.com/office/mac/drawingml/2011/main" val="1"/>
+              <ma14:wrappingTextBoxFlag xmlns:ma14="http://schemas.microsoft.com/office/mac/drawingml/2011/main" xmlns="" val="1"/>
             </a:ext>
           </a:extLst>
         </p:spPr>
@@ -4141,7 +4141,7 @@
           </a:ln>
           <a:extLst>
             <a:ext uri="{C572A759-6A51-4108-AA02-DFA0A04FC94B}">
-              <ma14:wrappingTextBoxFlag xmlns="" xmlns:ma14="http://schemas.microsoft.com/office/mac/drawingml/2011/main" val="1"/>
+              <ma14:wrappingTextBoxFlag xmlns:ma14="http://schemas.microsoft.com/office/mac/drawingml/2011/main" xmlns="" val="1"/>
             </a:ext>
           </a:extLst>
         </p:spPr>
@@ -4490,7 +4490,7 @@
           </a:ln>
           <a:extLst>
             <a:ext uri="{C572A759-6A51-4108-AA02-DFA0A04FC94B}">
-              <ma14:wrappingTextBoxFlag xmlns="" xmlns:ma14="http://schemas.microsoft.com/office/mac/drawingml/2011/main" val="1"/>
+              <ma14:wrappingTextBoxFlag xmlns:ma14="http://schemas.microsoft.com/office/mac/drawingml/2011/main" xmlns="" val="1"/>
             </a:ext>
           </a:extLst>
         </p:spPr>
@@ -4588,7 +4588,7 @@
           </a:ln>
           <a:extLst>
             <a:ext uri="{C572A759-6A51-4108-AA02-DFA0A04FC94B}">
-              <ma14:wrappingTextBoxFlag xmlns="" xmlns:ma14="http://schemas.microsoft.com/office/mac/drawingml/2011/main" val="1"/>
+              <ma14:wrappingTextBoxFlag xmlns:ma14="http://schemas.microsoft.com/office/mac/drawingml/2011/main" xmlns="" val="1"/>
             </a:ext>
           </a:extLst>
         </p:spPr>
@@ -4681,7 +4681,7 @@
           </a:ln>
           <a:extLst>
             <a:ext uri="{C572A759-6A51-4108-AA02-DFA0A04FC94B}">
-              <ma14:wrappingTextBoxFlag xmlns="" xmlns:ma14="http://schemas.microsoft.com/office/mac/drawingml/2011/main" val="1"/>
+              <ma14:wrappingTextBoxFlag xmlns:ma14="http://schemas.microsoft.com/office/mac/drawingml/2011/main" xmlns="" val="1"/>
             </a:ext>
           </a:extLst>
         </p:spPr>
@@ -4757,7 +4757,7 @@
           </a:ln>
           <a:extLst>
             <a:ext uri="{C572A759-6A51-4108-AA02-DFA0A04FC94B}">
-              <ma14:wrappingTextBoxFlag xmlns="" xmlns:ma14="http://schemas.microsoft.com/office/mac/drawingml/2011/main" val="1"/>
+              <ma14:wrappingTextBoxFlag xmlns:ma14="http://schemas.microsoft.com/office/mac/drawingml/2011/main" xmlns="" val="1"/>
             </a:ext>
           </a:extLst>
         </p:spPr>
@@ -5591,7 +5591,7 @@
           </a:ln>
           <a:extLst>
             <a:ext uri="{C572A759-6A51-4108-AA02-DFA0A04FC94B}">
-              <ma14:wrappingTextBoxFlag xmlns="" xmlns:ma14="http://schemas.microsoft.com/office/mac/drawingml/2011/main" val="1"/>
+              <ma14:wrappingTextBoxFlag xmlns:ma14="http://schemas.microsoft.com/office/mac/drawingml/2011/main" xmlns="" val="1"/>
             </a:ext>
           </a:extLst>
         </p:spPr>
@@ -5768,7 +5768,7 @@
           </a:ln>
           <a:extLst>
             <a:ext uri="{C572A759-6A51-4108-AA02-DFA0A04FC94B}">
-              <ma14:wrappingTextBoxFlag xmlns="" xmlns:ma14="http://schemas.microsoft.com/office/mac/drawingml/2011/main" val="1"/>
+              <ma14:wrappingTextBoxFlag xmlns:ma14="http://schemas.microsoft.com/office/mac/drawingml/2011/main" xmlns="" val="1"/>
             </a:ext>
           </a:extLst>
         </p:spPr>
@@ -7585,7 +7585,7 @@
           </a:ln>
           <a:extLst>
             <a:ext uri="{C572A759-6A51-4108-AA02-DFA0A04FC94B}">
-              <ma14:wrappingTextBoxFlag xmlns="" xmlns:ma14="http://schemas.microsoft.com/office/mac/drawingml/2011/main" val="1"/>
+              <ma14:wrappingTextBoxFlag xmlns:ma14="http://schemas.microsoft.com/office/mac/drawingml/2011/main" xmlns="" val="1"/>
             </a:ext>
           </a:extLst>
         </p:spPr>
@@ -7842,7 +7842,7 @@
           </a:ln>
           <a:extLst>
             <a:ext uri="{C572A759-6A51-4108-AA02-DFA0A04FC94B}">
-              <ma14:wrappingTextBoxFlag xmlns="" xmlns:ma14="http://schemas.microsoft.com/office/mac/drawingml/2011/main" val="1"/>
+              <ma14:wrappingTextBoxFlag xmlns:ma14="http://schemas.microsoft.com/office/mac/drawingml/2011/main" xmlns="" val="1"/>
             </a:ext>
           </a:extLst>
         </p:spPr>
@@ -8365,7 +8365,7 @@
           </a:ln>
           <a:extLst>
             <a:ext uri="{C572A759-6A51-4108-AA02-DFA0A04FC94B}">
-              <ma14:wrappingTextBoxFlag xmlns:lc="http://schemas.openxmlformats.org/drawingml/2006/lockedCanvas" xmlns:ma14="http://schemas.microsoft.com/office/mac/drawingml/2011/main" xmlns:a14="http://schemas.microsoft.com/office/drawing/2010/main" xmlns:m="http://schemas.openxmlformats.org/officeDocument/2006/math" xmlns="" val="1"/>
+              <ma14:wrappingTextBoxFlag xmlns="" xmlns:m="http://schemas.openxmlformats.org/officeDocument/2006/math" xmlns:a14="http://schemas.microsoft.com/office/drawing/2010/main" xmlns:ma14="http://schemas.microsoft.com/office/mac/drawingml/2011/main" xmlns:lc="http://schemas.openxmlformats.org/drawingml/2006/lockedCanvas" val="1"/>
             </a:ext>
           </a:extLst>
         </p:spPr>
@@ -8703,7 +8703,7 @@
           </a:ln>
           <a:extLst>
             <a:ext uri="{C572A759-6A51-4108-AA02-DFA0A04FC94B}">
-              <ma14:wrappingTextBoxFlag xmlns:lc="http://schemas.openxmlformats.org/drawingml/2006/lockedCanvas" xmlns:ma14="http://schemas.microsoft.com/office/mac/drawingml/2011/main" xmlns:a14="http://schemas.microsoft.com/office/drawing/2010/main" xmlns:m="http://schemas.openxmlformats.org/officeDocument/2006/math" xmlns="" val="1"/>
+              <ma14:wrappingTextBoxFlag xmlns="" xmlns:m="http://schemas.openxmlformats.org/officeDocument/2006/math" xmlns:a14="http://schemas.microsoft.com/office/drawing/2010/main" xmlns:ma14="http://schemas.microsoft.com/office/mac/drawingml/2011/main" xmlns:lc="http://schemas.openxmlformats.org/drawingml/2006/lockedCanvas" val="1"/>
             </a:ext>
           </a:extLst>
         </p:spPr>
@@ -9150,7 +9150,7 @@
           <a:effectLst/>
           <a:extLst>
             <a:ext uri="{C572A759-6A51-4108-AA02-DFA0A04FC94B}">
-              <ma14:wrappingTextBoxFlag xmlns:lc="http://schemas.openxmlformats.org/drawingml/2006/lockedCanvas" xmlns:ma14="http://schemas.microsoft.com/office/mac/drawingml/2011/main" xmlns="" val="1"/>
+              <ma14:wrappingTextBoxFlag xmlns="" xmlns:ma14="http://schemas.microsoft.com/office/mac/drawingml/2011/main" xmlns:lc="http://schemas.openxmlformats.org/drawingml/2006/lockedCanvas" val="1"/>
             </a:ext>
           </a:extLst>
         </p:spPr>
@@ -9535,7 +9535,7 @@
           <a:effectLst/>
           <a:extLst>
             <a:ext uri="{C572A759-6A51-4108-AA02-DFA0A04FC94B}">
-              <ma14:wrappingTextBoxFlag xmlns:lc="http://schemas.openxmlformats.org/drawingml/2006/lockedCanvas" xmlns:ma14="http://schemas.microsoft.com/office/mac/drawingml/2011/main" xmlns="" val="1"/>
+              <ma14:wrappingTextBoxFlag xmlns="" xmlns:ma14="http://schemas.microsoft.com/office/mac/drawingml/2011/main" xmlns:lc="http://schemas.openxmlformats.org/drawingml/2006/lockedCanvas" val="1"/>
             </a:ext>
           </a:extLst>
         </p:spPr>
@@ -10003,7 +10003,7 @@
           </a:ln>
           <a:extLst>
             <a:ext uri="{C572A759-6A51-4108-AA02-DFA0A04FC94B}">
-              <ma14:wrappingTextBoxFlag xmlns="" xmlns:ma14="http://schemas.microsoft.com/office/mac/drawingml/2011/main" val="1"/>
+              <ma14:wrappingTextBoxFlag xmlns:ma14="http://schemas.microsoft.com/office/mac/drawingml/2011/main" xmlns="" val="1"/>
             </a:ext>
           </a:extLst>
         </p:spPr>
@@ -10062,7 +10062,7 @@
           </a:ln>
           <a:extLst>
             <a:ext uri="{C572A759-6A51-4108-AA02-DFA0A04FC94B}">
-              <ma14:wrappingTextBoxFlag xmlns="" xmlns:ma14="http://schemas.microsoft.com/office/mac/drawingml/2011/main" val="1"/>
+              <ma14:wrappingTextBoxFlag xmlns:ma14="http://schemas.microsoft.com/office/mac/drawingml/2011/main" xmlns="" val="1"/>
             </a:ext>
           </a:extLst>
         </p:spPr>
@@ -11741,7 +11741,7 @@
           </a:ln>
           <a:extLst>
             <a:ext uri="{C572A759-6A51-4108-AA02-DFA0A04FC94B}">
-              <ma14:wrappingTextBoxFlag xmlns="" xmlns:ma14="http://schemas.microsoft.com/office/mac/drawingml/2011/main" val="1"/>
+              <ma14:wrappingTextBoxFlag xmlns:ma14="http://schemas.microsoft.com/office/mac/drawingml/2011/main" xmlns="" val="1"/>
             </a:ext>
           </a:extLst>
         </p:spPr>
@@ -12078,7 +12078,7 @@
           </a:ln>
           <a:extLst>
             <a:ext uri="{C572A759-6A51-4108-AA02-DFA0A04FC94B}">
-              <ma14:wrappingTextBoxFlag xmlns="" xmlns:ma14="http://schemas.microsoft.com/office/mac/drawingml/2011/main" val="1"/>
+              <ma14:wrappingTextBoxFlag xmlns:ma14="http://schemas.microsoft.com/office/mac/drawingml/2011/main" xmlns="" val="1"/>
             </a:ext>
           </a:extLst>
         </p:spPr>
@@ -13341,7 +13341,7 @@
           </a:ln>
           <a:extLst>
             <a:ext uri="{C572A759-6A51-4108-AA02-DFA0A04FC94B}">
-              <ma14:wrappingTextBoxFlag xmlns="" xmlns:ma14="http://schemas.microsoft.com/office/mac/drawingml/2011/main" val="1"/>
+              <ma14:wrappingTextBoxFlag xmlns:ma14="http://schemas.microsoft.com/office/mac/drawingml/2011/main" xmlns="" val="1"/>
             </a:ext>
           </a:extLst>
         </p:spPr>
@@ -13400,7 +13400,7 @@
           </a:ln>
           <a:extLst>
             <a:ext uri="{C572A759-6A51-4108-AA02-DFA0A04FC94B}">
-              <ma14:wrappingTextBoxFlag xmlns="" xmlns:ma14="http://schemas.microsoft.com/office/mac/drawingml/2011/main" val="1"/>
+              <ma14:wrappingTextBoxFlag xmlns:ma14="http://schemas.microsoft.com/office/mac/drawingml/2011/main" xmlns="" val="1"/>
             </a:ext>
           </a:extLst>
         </p:spPr>
@@ -14121,7 +14121,7 @@
           </a:ln>
           <a:extLst>
             <a:ext uri="{C572A759-6A51-4108-AA02-DFA0A04FC94B}">
-              <ma14:wrappingTextBoxFlag xmlns="" xmlns:ma14="http://schemas.microsoft.com/office/mac/drawingml/2011/main" val="1"/>
+              <ma14:wrappingTextBoxFlag xmlns:ma14="http://schemas.microsoft.com/office/mac/drawingml/2011/main" xmlns="" val="1"/>
             </a:ext>
           </a:extLst>
         </p:spPr>
@@ -14231,7 +14231,7 @@
           </a:ln>
           <a:extLst>
             <a:ext uri="{C572A759-6A51-4108-AA02-DFA0A04FC94B}">
-              <ma14:wrappingTextBoxFlag xmlns="" xmlns:ma14="http://schemas.microsoft.com/office/mac/drawingml/2011/main" val="1"/>
+              <ma14:wrappingTextBoxFlag xmlns:ma14="http://schemas.microsoft.com/office/mac/drawingml/2011/main" xmlns="" val="1"/>
             </a:ext>
           </a:extLst>
         </p:spPr>
@@ -14485,7 +14485,7 @@
           </a:ln>
           <a:extLst>
             <a:ext uri="{C572A759-6A51-4108-AA02-DFA0A04FC94B}">
-              <ma14:wrappingTextBoxFlag xmlns="" xmlns:ma14="http://schemas.microsoft.com/office/mac/drawingml/2011/main" val="1"/>
+              <ma14:wrappingTextBoxFlag xmlns:ma14="http://schemas.microsoft.com/office/mac/drawingml/2011/main" xmlns="" val="1"/>
             </a:ext>
           </a:extLst>
         </p:spPr>
@@ -17274,7 +17274,7 @@
           </a:ln>
           <a:extLst>
             <a:ext uri="{C572A759-6A51-4108-AA02-DFA0A04FC94B}">
-              <ma14:wrappingTextBoxFlag xmlns="" xmlns:ma14="http://schemas.microsoft.com/office/mac/drawingml/2011/main" val="1"/>
+              <ma14:wrappingTextBoxFlag xmlns:ma14="http://schemas.microsoft.com/office/mac/drawingml/2011/main" xmlns="" val="1"/>
             </a:ext>
           </a:extLst>
         </p:spPr>
@@ -17341,7 +17341,7 @@
           </a:ln>
           <a:extLst>
             <a:ext uri="{C572A759-6A51-4108-AA02-DFA0A04FC94B}">
-              <ma14:wrappingTextBoxFlag xmlns="" xmlns:ma14="http://schemas.microsoft.com/office/mac/drawingml/2011/main" val="1"/>
+              <ma14:wrappingTextBoxFlag xmlns:ma14="http://schemas.microsoft.com/office/mac/drawingml/2011/main" xmlns="" val="1"/>
             </a:ext>
           </a:extLst>
         </p:spPr>
@@ -17863,7 +17863,7 @@
           </a:ln>
           <a:extLst>
             <a:ext uri="{C572A759-6A51-4108-AA02-DFA0A04FC94B}">
-              <ma14:wrappingTextBoxFlag xmlns="" xmlns:ma14="http://schemas.microsoft.com/office/mac/drawingml/2011/main" val="1"/>
+              <ma14:wrappingTextBoxFlag xmlns:ma14="http://schemas.microsoft.com/office/mac/drawingml/2011/main" xmlns="" val="1"/>
             </a:ext>
           </a:extLst>
         </p:spPr>
@@ -18225,7 +18225,7 @@
           </a:ln>
           <a:extLst>
             <a:ext uri="{C572A759-6A51-4108-AA02-DFA0A04FC94B}">
-              <ma14:wrappingTextBoxFlag xmlns="" xmlns:ma14="http://schemas.microsoft.com/office/mac/drawingml/2011/main" val="1"/>
+              <ma14:wrappingTextBoxFlag xmlns:ma14="http://schemas.microsoft.com/office/mac/drawingml/2011/main" xmlns="" val="1"/>
             </a:ext>
           </a:extLst>
         </p:spPr>
@@ -18798,7 +18798,7 @@
           </a:ln>
           <a:extLst>
             <a:ext uri="{C572A759-6A51-4108-AA02-DFA0A04FC94B}">
-              <ma14:wrappingTextBoxFlag xmlns="" xmlns:ma14="http://schemas.microsoft.com/office/mac/drawingml/2011/main" val="1"/>
+              <ma14:wrappingTextBoxFlag xmlns:ma14="http://schemas.microsoft.com/office/mac/drawingml/2011/main" xmlns="" val="1"/>
             </a:ext>
           </a:extLst>
         </p:spPr>
@@ -19307,7 +19307,7 @@
           </a:ln>
           <a:extLst>
             <a:ext uri="{C572A759-6A51-4108-AA02-DFA0A04FC94B}">
-              <ma14:wrappingTextBoxFlag xmlns="" xmlns:ma14="http://schemas.microsoft.com/office/mac/drawingml/2011/main" val="1"/>
+              <ma14:wrappingTextBoxFlag xmlns:ma14="http://schemas.microsoft.com/office/mac/drawingml/2011/main" xmlns="" val="1"/>
             </a:ext>
           </a:extLst>
         </p:spPr>
@@ -19358,7 +19358,7 @@
           </a:ln>
           <a:extLst>
             <a:ext uri="{C572A759-6A51-4108-AA02-DFA0A04FC94B}">
-              <ma14:wrappingTextBoxFlag xmlns="" xmlns:ma14="http://schemas.microsoft.com/office/mac/drawingml/2011/main" val="1"/>
+              <ma14:wrappingTextBoxFlag xmlns:ma14="http://schemas.microsoft.com/office/mac/drawingml/2011/main" xmlns="" val="1"/>
             </a:ext>
           </a:extLst>
         </p:spPr>
@@ -19414,7 +19414,7 @@
           </a:ln>
           <a:extLst>
             <a:ext uri="{C572A759-6A51-4108-AA02-DFA0A04FC94B}">
-              <ma14:wrappingTextBoxFlag xmlns="" xmlns:ma14="http://schemas.microsoft.com/office/mac/drawingml/2011/main" val="1"/>
+              <ma14:wrappingTextBoxFlag xmlns:ma14="http://schemas.microsoft.com/office/mac/drawingml/2011/main" xmlns="" val="1"/>
             </a:ext>
           </a:extLst>
         </p:spPr>
@@ -20150,7 +20150,7 @@
           </a:ln>
           <a:extLst>
             <a:ext uri="{C572A759-6A51-4108-AA02-DFA0A04FC94B}">
-              <ma14:wrappingTextBoxFlag xmlns="" xmlns:ma14="http://schemas.microsoft.com/office/mac/drawingml/2011/main" val="1"/>
+              <ma14:wrappingTextBoxFlag xmlns:ma14="http://schemas.microsoft.com/office/mac/drawingml/2011/main" xmlns="" val="1"/>
             </a:ext>
           </a:extLst>
         </p:spPr>
@@ -20668,7 +20668,7 @@
           </a:ln>
           <a:extLst>
             <a:ext uri="{C572A759-6A51-4108-AA02-DFA0A04FC94B}">
-              <ma14:wrappingTextBoxFlag xmlns="" xmlns:ma14="http://schemas.microsoft.com/office/mac/drawingml/2011/main" val="1"/>
+              <ma14:wrappingTextBoxFlag xmlns:ma14="http://schemas.microsoft.com/office/mac/drawingml/2011/main" xmlns="" val="1"/>
             </a:ext>
           </a:extLst>
         </p:spPr>
@@ -20719,7 +20719,7 @@
           </a:ln>
           <a:extLst>
             <a:ext uri="{C572A759-6A51-4108-AA02-DFA0A04FC94B}">
-              <ma14:wrappingTextBoxFlag xmlns="" xmlns:ma14="http://schemas.microsoft.com/office/mac/drawingml/2011/main" val="1"/>
+              <ma14:wrappingTextBoxFlag xmlns:ma14="http://schemas.microsoft.com/office/mac/drawingml/2011/main" xmlns="" val="1"/>
             </a:ext>
           </a:extLst>
         </p:spPr>
@@ -20998,7 +20998,7 @@
           </a:ln>
           <a:extLst>
             <a:ext uri="{C572A759-6A51-4108-AA02-DFA0A04FC94B}">
-              <ma14:wrappingTextBoxFlag xmlns="" xmlns:ma14="http://schemas.microsoft.com/office/mac/drawingml/2011/main" val="1"/>
+              <ma14:wrappingTextBoxFlag xmlns:ma14="http://schemas.microsoft.com/office/mac/drawingml/2011/main" xmlns="" val="1"/>
             </a:ext>
           </a:extLst>
         </p:spPr>
@@ -21114,7 +21114,7 @@
           </a:ln>
           <a:extLst>
             <a:ext uri="{C572A759-6A51-4108-AA02-DFA0A04FC94B}">
-              <ma14:wrappingTextBoxFlag xmlns="" xmlns:ma14="http://schemas.microsoft.com/office/mac/drawingml/2011/main" val="1"/>
+              <ma14:wrappingTextBoxFlag xmlns:ma14="http://schemas.microsoft.com/office/mac/drawingml/2011/main" xmlns="" val="1"/>
             </a:ext>
           </a:extLst>
         </p:spPr>

--- a/docs/tidyfst_cheatsheet.pptx
+++ b/docs/tidyfst_cheatsheet.pptx
@@ -417,7 +417,7 @@
           <a:p>
             <a:fld id="{14A1A45B-F66E-48A2-89C5-3AD170776287}" type="datetimeFigureOut">
               <a:rPr lang="da-DK" smtClean="0"/>
-              <a:t>27-08-2020</a:t>
+              <a:t>02-09-2020</a:t>
             </a:fld>
             <a:endParaRPr lang="da-DK"/>
           </a:p>
@@ -2377,7 +2377,7 @@
           </a:ln>
           <a:extLst>
             <a:ext uri="{C572A759-6A51-4108-AA02-DFA0A04FC94B}">
-              <ma14:wrappingTextBoxFlag xmlns:ma14="http://schemas.microsoft.com/office/mac/drawingml/2011/main" xmlns="" val="1"/>
+              <ma14:wrappingTextBoxFlag xmlns="" xmlns:ma14="http://schemas.microsoft.com/office/mac/drawingml/2011/main" val="1"/>
             </a:ext>
           </a:extLst>
         </p:spPr>
@@ -2416,7 +2416,7 @@
           </a:ln>
           <a:extLst>
             <a:ext uri="{C572A759-6A51-4108-AA02-DFA0A04FC94B}">
-              <ma14:wrappingTextBoxFlag xmlns:ma14="http://schemas.microsoft.com/office/mac/drawingml/2011/main" xmlns="" val="1"/>
+              <ma14:wrappingTextBoxFlag xmlns="" xmlns:ma14="http://schemas.microsoft.com/office/mac/drawingml/2011/main" val="1"/>
             </a:ext>
           </a:extLst>
         </p:spPr>
@@ -3473,7 +3473,7 @@
           </a:ln>
           <a:extLst>
             <a:ext uri="{C572A759-6A51-4108-AA02-DFA0A04FC94B}">
-              <ma14:wrappingTextBoxFlag xmlns:ma14="http://schemas.microsoft.com/office/mac/drawingml/2011/main" xmlns="" val="1"/>
+              <ma14:wrappingTextBoxFlag xmlns="" xmlns:ma14="http://schemas.microsoft.com/office/mac/drawingml/2011/main" val="1"/>
             </a:ext>
           </a:extLst>
         </p:spPr>
@@ -3535,7 +3535,7 @@
           </a:ln>
           <a:extLst>
             <a:ext uri="{C572A759-6A51-4108-AA02-DFA0A04FC94B}">
-              <ma14:wrappingTextBoxFlag xmlns:ma14="http://schemas.microsoft.com/office/mac/drawingml/2011/main" xmlns="" val="1"/>
+              <ma14:wrappingTextBoxFlag xmlns="" xmlns:ma14="http://schemas.microsoft.com/office/mac/drawingml/2011/main" val="1"/>
             </a:ext>
           </a:extLst>
         </p:spPr>
@@ -3880,7 +3880,7 @@
           </a:ln>
           <a:extLst>
             <a:ext uri="{C572A759-6A51-4108-AA02-DFA0A04FC94B}">
-              <ma14:wrappingTextBoxFlag xmlns:ma14="http://schemas.microsoft.com/office/mac/drawingml/2011/main" xmlns="" val="1"/>
+              <ma14:wrappingTextBoxFlag xmlns="" xmlns:ma14="http://schemas.microsoft.com/office/mac/drawingml/2011/main" val="1"/>
             </a:ext>
           </a:extLst>
         </p:spPr>
@@ -3933,7 +3933,7 @@
           </a:ln>
           <a:extLst>
             <a:ext uri="{C572A759-6A51-4108-AA02-DFA0A04FC94B}">
-              <ma14:wrappingTextBoxFlag xmlns:ma14="http://schemas.microsoft.com/office/mac/drawingml/2011/main" xmlns="" val="1"/>
+              <ma14:wrappingTextBoxFlag xmlns="" xmlns:ma14="http://schemas.microsoft.com/office/mac/drawingml/2011/main" val="1"/>
             </a:ext>
           </a:extLst>
         </p:spPr>
@@ -4131,7 +4131,7 @@
         <p:spPr>
           <a:xfrm>
             <a:off x="395964" y="5215841"/>
-            <a:ext cx="4158437" cy="1951160"/>
+            <a:ext cx="4158437" cy="1784961"/>
           </a:xfrm>
           <a:prstGeom prst="rect">
             <a:avLst/>
@@ -4141,7 +4141,7 @@
           </a:ln>
           <a:extLst>
             <a:ext uri="{C572A759-6A51-4108-AA02-DFA0A04FC94B}">
-              <ma14:wrappingTextBoxFlag xmlns:ma14="http://schemas.microsoft.com/office/mac/drawingml/2011/main" xmlns="" val="1"/>
+              <ma14:wrappingTextBoxFlag xmlns="" xmlns:ma14="http://schemas.microsoft.com/office/mac/drawingml/2011/main" val="1"/>
             </a:ext>
           </a:extLst>
         </p:spPr>
@@ -4375,7 +4375,7 @@
                   <a:srgbClr val="000000"/>
                 </a:solidFill>
               </a:rPr>
-              <a:t>– read data from a flat file such as .csv or .</a:t>
+              <a:t>– read data from a flat file of .</a:t>
             </a:r>
             <a:r>
               <a:rPr lang="en-US" altLang="zh-CN" b="0" dirty="0" err="1">
@@ -4383,7 +4383,7 @@
                   <a:srgbClr val="000000"/>
                 </a:solidFill>
               </a:rPr>
-              <a:t>tsv</a:t>
+              <a:t>fst</a:t>
             </a:r>
             <a:r>
               <a:rPr lang="en-US" altLang="zh-CN" b="0" dirty="0">
@@ -4454,7 +4454,23 @@
                   <a:srgbClr val="000000"/>
                 </a:solidFill>
               </a:rPr>
-              <a:t>– write data to a flat file from R. </a:t>
+              <a:t>– write data to a .</a:t>
+            </a:r>
+            <a:r>
+              <a:rPr lang="en-US" altLang="zh-CN" b="0">
+                <a:solidFill>
+                  <a:srgbClr val="000000"/>
+                </a:solidFill>
+              </a:rPr>
+              <a:t>fst </a:t>
+            </a:r>
+            <a:r>
+              <a:rPr lang="en-US" altLang="zh-CN" b="0" dirty="0">
+                <a:solidFill>
+                  <a:srgbClr val="000000"/>
+                </a:solidFill>
+              </a:rPr>
+              <a:t>file from R. </a:t>
             </a:r>
           </a:p>
           <a:p>
@@ -4490,7 +4506,7 @@
           </a:ln>
           <a:extLst>
             <a:ext uri="{C572A759-6A51-4108-AA02-DFA0A04FC94B}">
-              <ma14:wrappingTextBoxFlag xmlns:ma14="http://schemas.microsoft.com/office/mac/drawingml/2011/main" xmlns="" val="1"/>
+              <ma14:wrappingTextBoxFlag xmlns="" xmlns:ma14="http://schemas.microsoft.com/office/mac/drawingml/2011/main" val="1"/>
             </a:ext>
           </a:extLst>
         </p:spPr>
@@ -4588,7 +4604,7 @@
           </a:ln>
           <a:extLst>
             <a:ext uri="{C572A759-6A51-4108-AA02-DFA0A04FC94B}">
-              <ma14:wrappingTextBoxFlag xmlns:ma14="http://schemas.microsoft.com/office/mac/drawingml/2011/main" xmlns="" val="1"/>
+              <ma14:wrappingTextBoxFlag xmlns="" xmlns:ma14="http://schemas.microsoft.com/office/mac/drawingml/2011/main" val="1"/>
             </a:ext>
           </a:extLst>
         </p:spPr>
@@ -4681,7 +4697,7 @@
           </a:ln>
           <a:extLst>
             <a:ext uri="{C572A759-6A51-4108-AA02-DFA0A04FC94B}">
-              <ma14:wrappingTextBoxFlag xmlns:ma14="http://schemas.microsoft.com/office/mac/drawingml/2011/main" xmlns="" val="1"/>
+              <ma14:wrappingTextBoxFlag xmlns="" xmlns:ma14="http://schemas.microsoft.com/office/mac/drawingml/2011/main" val="1"/>
             </a:ext>
           </a:extLst>
         </p:spPr>
@@ -4757,7 +4773,7 @@
           </a:ln>
           <a:extLst>
             <a:ext uri="{C572A759-6A51-4108-AA02-DFA0A04FC94B}">
-              <ma14:wrappingTextBoxFlag xmlns:ma14="http://schemas.microsoft.com/office/mac/drawingml/2011/main" xmlns="" val="1"/>
+              <ma14:wrappingTextBoxFlag xmlns="" xmlns:ma14="http://schemas.microsoft.com/office/mac/drawingml/2011/main" val="1"/>
             </a:ext>
           </a:extLst>
         </p:spPr>
@@ -5591,7 +5607,7 @@
           </a:ln>
           <a:extLst>
             <a:ext uri="{C572A759-6A51-4108-AA02-DFA0A04FC94B}">
-              <ma14:wrappingTextBoxFlag xmlns:ma14="http://schemas.microsoft.com/office/mac/drawingml/2011/main" xmlns="" val="1"/>
+              <ma14:wrappingTextBoxFlag xmlns="" xmlns:ma14="http://schemas.microsoft.com/office/mac/drawingml/2011/main" val="1"/>
             </a:ext>
           </a:extLst>
         </p:spPr>
@@ -5768,7 +5784,7 @@
           </a:ln>
           <a:extLst>
             <a:ext uri="{C572A759-6A51-4108-AA02-DFA0A04FC94B}">
-              <ma14:wrappingTextBoxFlag xmlns:ma14="http://schemas.microsoft.com/office/mac/drawingml/2011/main" xmlns="" val="1"/>
+              <ma14:wrappingTextBoxFlag xmlns="" xmlns:ma14="http://schemas.microsoft.com/office/mac/drawingml/2011/main" val="1"/>
             </a:ext>
           </a:extLst>
         </p:spPr>
@@ -7585,7 +7601,7 @@
           </a:ln>
           <a:extLst>
             <a:ext uri="{C572A759-6A51-4108-AA02-DFA0A04FC94B}">
-              <ma14:wrappingTextBoxFlag xmlns:ma14="http://schemas.microsoft.com/office/mac/drawingml/2011/main" xmlns="" val="1"/>
+              <ma14:wrappingTextBoxFlag xmlns="" xmlns:ma14="http://schemas.microsoft.com/office/mac/drawingml/2011/main" val="1"/>
             </a:ext>
           </a:extLst>
         </p:spPr>
@@ -7842,7 +7858,7 @@
           </a:ln>
           <a:extLst>
             <a:ext uri="{C572A759-6A51-4108-AA02-DFA0A04FC94B}">
-              <ma14:wrappingTextBoxFlag xmlns:ma14="http://schemas.microsoft.com/office/mac/drawingml/2011/main" xmlns="" val="1"/>
+              <ma14:wrappingTextBoxFlag xmlns="" xmlns:ma14="http://schemas.microsoft.com/office/mac/drawingml/2011/main" val="1"/>
             </a:ext>
           </a:extLst>
         </p:spPr>
@@ -8365,7 +8381,7 @@
           </a:ln>
           <a:extLst>
             <a:ext uri="{C572A759-6A51-4108-AA02-DFA0A04FC94B}">
-              <ma14:wrappingTextBoxFlag xmlns="" xmlns:m="http://schemas.openxmlformats.org/officeDocument/2006/math" xmlns:a14="http://schemas.microsoft.com/office/drawing/2010/main" xmlns:ma14="http://schemas.microsoft.com/office/mac/drawingml/2011/main" xmlns:lc="http://schemas.openxmlformats.org/drawingml/2006/lockedCanvas" val="1"/>
+              <ma14:wrappingTextBoxFlag xmlns:lc="http://schemas.openxmlformats.org/drawingml/2006/lockedCanvas" xmlns:ma14="http://schemas.microsoft.com/office/mac/drawingml/2011/main" xmlns:a14="http://schemas.microsoft.com/office/drawing/2010/main" xmlns:m="http://schemas.openxmlformats.org/officeDocument/2006/math" xmlns="" val="1"/>
             </a:ext>
           </a:extLst>
         </p:spPr>
@@ -8703,7 +8719,7 @@
           </a:ln>
           <a:extLst>
             <a:ext uri="{C572A759-6A51-4108-AA02-DFA0A04FC94B}">
-              <ma14:wrappingTextBoxFlag xmlns="" xmlns:m="http://schemas.openxmlformats.org/officeDocument/2006/math" xmlns:a14="http://schemas.microsoft.com/office/drawing/2010/main" xmlns:ma14="http://schemas.microsoft.com/office/mac/drawingml/2011/main" xmlns:lc="http://schemas.openxmlformats.org/drawingml/2006/lockedCanvas" val="1"/>
+              <ma14:wrappingTextBoxFlag xmlns:lc="http://schemas.openxmlformats.org/drawingml/2006/lockedCanvas" xmlns:ma14="http://schemas.microsoft.com/office/mac/drawingml/2011/main" xmlns:a14="http://schemas.microsoft.com/office/drawing/2010/main" xmlns:m="http://schemas.openxmlformats.org/officeDocument/2006/math" xmlns="" val="1"/>
             </a:ext>
           </a:extLst>
         </p:spPr>
@@ -9150,7 +9166,7 @@
           <a:effectLst/>
           <a:extLst>
             <a:ext uri="{C572A759-6A51-4108-AA02-DFA0A04FC94B}">
-              <ma14:wrappingTextBoxFlag xmlns="" xmlns:ma14="http://schemas.microsoft.com/office/mac/drawingml/2011/main" xmlns:lc="http://schemas.openxmlformats.org/drawingml/2006/lockedCanvas" val="1"/>
+              <ma14:wrappingTextBoxFlag xmlns:lc="http://schemas.openxmlformats.org/drawingml/2006/lockedCanvas" xmlns:ma14="http://schemas.microsoft.com/office/mac/drawingml/2011/main" xmlns="" val="1"/>
             </a:ext>
           </a:extLst>
         </p:spPr>
@@ -9535,7 +9551,7 @@
           <a:effectLst/>
           <a:extLst>
             <a:ext uri="{C572A759-6A51-4108-AA02-DFA0A04FC94B}">
-              <ma14:wrappingTextBoxFlag xmlns="" xmlns:ma14="http://schemas.microsoft.com/office/mac/drawingml/2011/main" xmlns:lc="http://schemas.openxmlformats.org/drawingml/2006/lockedCanvas" val="1"/>
+              <ma14:wrappingTextBoxFlag xmlns:lc="http://schemas.openxmlformats.org/drawingml/2006/lockedCanvas" xmlns:ma14="http://schemas.microsoft.com/office/mac/drawingml/2011/main" xmlns="" val="1"/>
             </a:ext>
           </a:extLst>
         </p:spPr>
@@ -10003,7 +10019,7 @@
           </a:ln>
           <a:extLst>
             <a:ext uri="{C572A759-6A51-4108-AA02-DFA0A04FC94B}">
-              <ma14:wrappingTextBoxFlag xmlns:ma14="http://schemas.microsoft.com/office/mac/drawingml/2011/main" xmlns="" val="1"/>
+              <ma14:wrappingTextBoxFlag xmlns="" xmlns:ma14="http://schemas.microsoft.com/office/mac/drawingml/2011/main" val="1"/>
             </a:ext>
           </a:extLst>
         </p:spPr>
@@ -10062,7 +10078,7 @@
           </a:ln>
           <a:extLst>
             <a:ext uri="{C572A759-6A51-4108-AA02-DFA0A04FC94B}">
-              <ma14:wrappingTextBoxFlag xmlns:ma14="http://schemas.microsoft.com/office/mac/drawingml/2011/main" xmlns="" val="1"/>
+              <ma14:wrappingTextBoxFlag xmlns="" xmlns:ma14="http://schemas.microsoft.com/office/mac/drawingml/2011/main" val="1"/>
             </a:ext>
           </a:extLst>
         </p:spPr>
@@ -11741,7 +11757,7 @@
           </a:ln>
           <a:extLst>
             <a:ext uri="{C572A759-6A51-4108-AA02-DFA0A04FC94B}">
-              <ma14:wrappingTextBoxFlag xmlns:ma14="http://schemas.microsoft.com/office/mac/drawingml/2011/main" xmlns="" val="1"/>
+              <ma14:wrappingTextBoxFlag xmlns="" xmlns:ma14="http://schemas.microsoft.com/office/mac/drawingml/2011/main" val="1"/>
             </a:ext>
           </a:extLst>
         </p:spPr>
@@ -12078,7 +12094,7 @@
           </a:ln>
           <a:extLst>
             <a:ext uri="{C572A759-6A51-4108-AA02-DFA0A04FC94B}">
-              <ma14:wrappingTextBoxFlag xmlns:ma14="http://schemas.microsoft.com/office/mac/drawingml/2011/main" xmlns="" val="1"/>
+              <ma14:wrappingTextBoxFlag xmlns="" xmlns:ma14="http://schemas.microsoft.com/office/mac/drawingml/2011/main" val="1"/>
             </a:ext>
           </a:extLst>
         </p:spPr>
@@ -13341,7 +13357,7 @@
           </a:ln>
           <a:extLst>
             <a:ext uri="{C572A759-6A51-4108-AA02-DFA0A04FC94B}">
-              <ma14:wrappingTextBoxFlag xmlns:ma14="http://schemas.microsoft.com/office/mac/drawingml/2011/main" xmlns="" val="1"/>
+              <ma14:wrappingTextBoxFlag xmlns="" xmlns:ma14="http://schemas.microsoft.com/office/mac/drawingml/2011/main" val="1"/>
             </a:ext>
           </a:extLst>
         </p:spPr>
@@ -13400,7 +13416,7 @@
           </a:ln>
           <a:extLst>
             <a:ext uri="{C572A759-6A51-4108-AA02-DFA0A04FC94B}">
-              <ma14:wrappingTextBoxFlag xmlns:ma14="http://schemas.microsoft.com/office/mac/drawingml/2011/main" xmlns="" val="1"/>
+              <ma14:wrappingTextBoxFlag xmlns="" xmlns:ma14="http://schemas.microsoft.com/office/mac/drawingml/2011/main" val="1"/>
             </a:ext>
           </a:extLst>
         </p:spPr>
@@ -14121,7 +14137,7 @@
           </a:ln>
           <a:extLst>
             <a:ext uri="{C572A759-6A51-4108-AA02-DFA0A04FC94B}">
-              <ma14:wrappingTextBoxFlag xmlns:ma14="http://schemas.microsoft.com/office/mac/drawingml/2011/main" xmlns="" val="1"/>
+              <ma14:wrappingTextBoxFlag xmlns="" xmlns:ma14="http://schemas.microsoft.com/office/mac/drawingml/2011/main" val="1"/>
             </a:ext>
           </a:extLst>
         </p:spPr>
@@ -14231,7 +14247,7 @@
           </a:ln>
           <a:extLst>
             <a:ext uri="{C572A759-6A51-4108-AA02-DFA0A04FC94B}">
-              <ma14:wrappingTextBoxFlag xmlns:ma14="http://schemas.microsoft.com/office/mac/drawingml/2011/main" xmlns="" val="1"/>
+              <ma14:wrappingTextBoxFlag xmlns="" xmlns:ma14="http://schemas.microsoft.com/office/mac/drawingml/2011/main" val="1"/>
             </a:ext>
           </a:extLst>
         </p:spPr>
@@ -14485,7 +14501,7 @@
           </a:ln>
           <a:extLst>
             <a:ext uri="{C572A759-6A51-4108-AA02-DFA0A04FC94B}">
-              <ma14:wrappingTextBoxFlag xmlns:ma14="http://schemas.microsoft.com/office/mac/drawingml/2011/main" xmlns="" val="1"/>
+              <ma14:wrappingTextBoxFlag xmlns="" xmlns:ma14="http://schemas.microsoft.com/office/mac/drawingml/2011/main" val="1"/>
             </a:ext>
           </a:extLst>
         </p:spPr>
@@ -17274,7 +17290,7 @@
           </a:ln>
           <a:extLst>
             <a:ext uri="{C572A759-6A51-4108-AA02-DFA0A04FC94B}">
-              <ma14:wrappingTextBoxFlag xmlns:ma14="http://schemas.microsoft.com/office/mac/drawingml/2011/main" xmlns="" val="1"/>
+              <ma14:wrappingTextBoxFlag xmlns="" xmlns:ma14="http://schemas.microsoft.com/office/mac/drawingml/2011/main" val="1"/>
             </a:ext>
           </a:extLst>
         </p:spPr>
@@ -17341,7 +17357,7 @@
           </a:ln>
           <a:extLst>
             <a:ext uri="{C572A759-6A51-4108-AA02-DFA0A04FC94B}">
-              <ma14:wrappingTextBoxFlag xmlns:ma14="http://schemas.microsoft.com/office/mac/drawingml/2011/main" xmlns="" val="1"/>
+              <ma14:wrappingTextBoxFlag xmlns="" xmlns:ma14="http://schemas.microsoft.com/office/mac/drawingml/2011/main" val="1"/>
             </a:ext>
           </a:extLst>
         </p:spPr>
@@ -17863,7 +17879,7 @@
           </a:ln>
           <a:extLst>
             <a:ext uri="{C572A759-6A51-4108-AA02-DFA0A04FC94B}">
-              <ma14:wrappingTextBoxFlag xmlns:ma14="http://schemas.microsoft.com/office/mac/drawingml/2011/main" xmlns="" val="1"/>
+              <ma14:wrappingTextBoxFlag xmlns="" xmlns:ma14="http://schemas.microsoft.com/office/mac/drawingml/2011/main" val="1"/>
             </a:ext>
           </a:extLst>
         </p:spPr>
@@ -18225,7 +18241,7 @@
           </a:ln>
           <a:extLst>
             <a:ext uri="{C572A759-6A51-4108-AA02-DFA0A04FC94B}">
-              <ma14:wrappingTextBoxFlag xmlns:ma14="http://schemas.microsoft.com/office/mac/drawingml/2011/main" xmlns="" val="1"/>
+              <ma14:wrappingTextBoxFlag xmlns="" xmlns:ma14="http://schemas.microsoft.com/office/mac/drawingml/2011/main" val="1"/>
             </a:ext>
           </a:extLst>
         </p:spPr>
@@ -18798,7 +18814,7 @@
           </a:ln>
           <a:extLst>
             <a:ext uri="{C572A759-6A51-4108-AA02-DFA0A04FC94B}">
-              <ma14:wrappingTextBoxFlag xmlns:ma14="http://schemas.microsoft.com/office/mac/drawingml/2011/main" xmlns="" val="1"/>
+              <ma14:wrappingTextBoxFlag xmlns="" xmlns:ma14="http://schemas.microsoft.com/office/mac/drawingml/2011/main" val="1"/>
             </a:ext>
           </a:extLst>
         </p:spPr>
@@ -19307,7 +19323,7 @@
           </a:ln>
           <a:extLst>
             <a:ext uri="{C572A759-6A51-4108-AA02-DFA0A04FC94B}">
-              <ma14:wrappingTextBoxFlag xmlns:ma14="http://schemas.microsoft.com/office/mac/drawingml/2011/main" xmlns="" val="1"/>
+              <ma14:wrappingTextBoxFlag xmlns="" xmlns:ma14="http://schemas.microsoft.com/office/mac/drawingml/2011/main" val="1"/>
             </a:ext>
           </a:extLst>
         </p:spPr>
@@ -19358,7 +19374,7 @@
           </a:ln>
           <a:extLst>
             <a:ext uri="{C572A759-6A51-4108-AA02-DFA0A04FC94B}">
-              <ma14:wrappingTextBoxFlag xmlns:ma14="http://schemas.microsoft.com/office/mac/drawingml/2011/main" xmlns="" val="1"/>
+              <ma14:wrappingTextBoxFlag xmlns="" xmlns:ma14="http://schemas.microsoft.com/office/mac/drawingml/2011/main" val="1"/>
             </a:ext>
           </a:extLst>
         </p:spPr>
@@ -19414,7 +19430,7 @@
           </a:ln>
           <a:extLst>
             <a:ext uri="{C572A759-6A51-4108-AA02-DFA0A04FC94B}">
-              <ma14:wrappingTextBoxFlag xmlns:ma14="http://schemas.microsoft.com/office/mac/drawingml/2011/main" xmlns="" val="1"/>
+              <ma14:wrappingTextBoxFlag xmlns="" xmlns:ma14="http://schemas.microsoft.com/office/mac/drawingml/2011/main" val="1"/>
             </a:ext>
           </a:extLst>
         </p:spPr>
@@ -20150,7 +20166,7 @@
           </a:ln>
           <a:extLst>
             <a:ext uri="{C572A759-6A51-4108-AA02-DFA0A04FC94B}">
-              <ma14:wrappingTextBoxFlag xmlns:ma14="http://schemas.microsoft.com/office/mac/drawingml/2011/main" xmlns="" val="1"/>
+              <ma14:wrappingTextBoxFlag xmlns="" xmlns:ma14="http://schemas.microsoft.com/office/mac/drawingml/2011/main" val="1"/>
             </a:ext>
           </a:extLst>
         </p:spPr>
@@ -20668,7 +20684,7 @@
           </a:ln>
           <a:extLst>
             <a:ext uri="{C572A759-6A51-4108-AA02-DFA0A04FC94B}">
-              <ma14:wrappingTextBoxFlag xmlns:ma14="http://schemas.microsoft.com/office/mac/drawingml/2011/main" xmlns="" val="1"/>
+              <ma14:wrappingTextBoxFlag xmlns="" xmlns:ma14="http://schemas.microsoft.com/office/mac/drawingml/2011/main" val="1"/>
             </a:ext>
           </a:extLst>
         </p:spPr>
@@ -20719,7 +20735,7 @@
           </a:ln>
           <a:extLst>
             <a:ext uri="{C572A759-6A51-4108-AA02-DFA0A04FC94B}">
-              <ma14:wrappingTextBoxFlag xmlns:ma14="http://schemas.microsoft.com/office/mac/drawingml/2011/main" xmlns="" val="1"/>
+              <ma14:wrappingTextBoxFlag xmlns="" xmlns:ma14="http://schemas.microsoft.com/office/mac/drawingml/2011/main" val="1"/>
             </a:ext>
           </a:extLst>
         </p:spPr>
@@ -20998,7 +21014,7 @@
           </a:ln>
           <a:extLst>
             <a:ext uri="{C572A759-6A51-4108-AA02-DFA0A04FC94B}">
-              <ma14:wrappingTextBoxFlag xmlns:ma14="http://schemas.microsoft.com/office/mac/drawingml/2011/main" xmlns="" val="1"/>
+              <ma14:wrappingTextBoxFlag xmlns="" xmlns:ma14="http://schemas.microsoft.com/office/mac/drawingml/2011/main" val="1"/>
             </a:ext>
           </a:extLst>
         </p:spPr>
@@ -21114,7 +21130,7 @@
           </a:ln>
           <a:extLst>
             <a:ext uri="{C572A759-6A51-4108-AA02-DFA0A04FC94B}">
-              <ma14:wrappingTextBoxFlag xmlns:ma14="http://schemas.microsoft.com/office/mac/drawingml/2011/main" xmlns="" val="1"/>
+              <ma14:wrappingTextBoxFlag xmlns="" xmlns:ma14="http://schemas.microsoft.com/office/mac/drawingml/2011/main" val="1"/>
             </a:ext>
           </a:extLst>
         </p:spPr>
